--- a/98_plan/00_pptx/04_just.pptx
+++ b/98_plan/00_pptx/04_just.pptx
@@ -5,11 +5,10 @@
     <p:sldMasterId id="2147483648" r:id="rId1"/>
   </p:sldMasterIdLst>
   <p:notesMasterIdLst>
-    <p:notesMasterId r:id="rId4"/>
+    <p:notesMasterId r:id="rId3"/>
   </p:notesMasterIdLst>
   <p:sldIdLst>
     <p:sldId id="261" r:id="rId2"/>
-    <p:sldId id="260" r:id="rId3"/>
   </p:sldIdLst>
   <p:sldSz cx="12192000" cy="6858000"/>
   <p:notesSz cx="6858000" cy="9144000"/>
@@ -5319,7 +5318,7 @@
         <p:spPr>
           <a:xfrm>
             <a:off x="5118809" y="703414"/>
-            <a:ext cx="1954381" cy="5286062"/>
+            <a:ext cx="1954381" cy="5451172"/>
           </a:xfrm>
           <a:prstGeom prst="rect">
             <a:avLst/>
@@ -5333,34 +5332,6 @@
           </a:bodyPr>
           <a:lstStyle/>
           <a:p>
-            <a:r>
-              <a:rPr lang="ja-JP" altLang="en-US" sz="11500" b="1" dirty="0">
-                <a:effectLst>
-                  <a:glow rad="635000">
-                    <a:schemeClr val="bg1">
-                      <a:alpha val="70000"/>
-                    </a:schemeClr>
-                  </a:glow>
-                </a:effectLst>
-                <a:latin typeface="HGP行書体" panose="03000600000000000000" pitchFamily="66" charset="-128"/>
-                <a:ea typeface="HGP行書体" panose="03000600000000000000" pitchFamily="66" charset="-128"/>
-              </a:rPr>
-              <a:t>瞬発</a:t>
-            </a:r>
-            <a:r>
-              <a:rPr lang="ja-JP" altLang="en-US" sz="9600" b="1" dirty="0">
-                <a:effectLst>
-                  <a:glow rad="635000">
-                    <a:schemeClr val="bg1">
-                      <a:alpha val="70000"/>
-                    </a:schemeClr>
-                  </a:glow>
-                </a:effectLst>
-                <a:latin typeface="HGP行書体" panose="03000600000000000000" pitchFamily="66" charset="-128"/>
-                <a:ea typeface="HGP行書体" panose="03000600000000000000" pitchFamily="66" charset="-128"/>
-              </a:rPr>
-              <a:t>の</a:t>
-            </a:r>
             <a:r>
               <a:rPr kumimoji="1" lang="ja-JP" altLang="en-US" sz="11500" b="1" dirty="0">
                 <a:effectLst>
@@ -5373,7 +5344,7 @@
                 <a:latin typeface="HGP行書体" panose="03000600000000000000" pitchFamily="66" charset="-128"/>
                 <a:ea typeface="HGP行書体" panose="03000600000000000000" pitchFamily="66" charset="-128"/>
               </a:rPr>
-              <a:t>忍</a:t>
+              <a:t>瞬発の忍</a:t>
             </a:r>
           </a:p>
         </p:txBody>
@@ -5680,551 +5651,6 @@
     <p:extLst>
       <p:ext uri="{BB962C8B-B14F-4D97-AF65-F5344CB8AC3E}">
         <p14:creationId xmlns:p14="http://schemas.microsoft.com/office/powerpoint/2010/main" val="2239028372"/>
-      </p:ext>
-    </p:extLst>
-  </p:cSld>
-  <p:clrMapOvr>
-    <a:masterClrMapping/>
-  </p:clrMapOvr>
-</p:sld>
-</file>
-
-<file path=ppt/slides/slide2.xml><?xml version="1.0" encoding="utf-8"?>
-<p:sld xmlns:a="http://schemas.openxmlformats.org/drawingml/2006/main" xmlns:r="http://schemas.openxmlformats.org/officeDocument/2006/relationships" xmlns:p="http://schemas.openxmlformats.org/presentationml/2006/main">
-  <p:cSld>
-    <p:spTree>
-      <p:nvGrpSpPr>
-        <p:cNvPr id="1" name=""/>
-        <p:cNvGrpSpPr/>
-        <p:nvPr/>
-      </p:nvGrpSpPr>
-      <p:grpSpPr>
-        <a:xfrm>
-          <a:off x="0" y="0"/>
-          <a:ext cx="0" cy="0"/>
-          <a:chOff x="0" y="0"/>
-          <a:chExt cx="0" cy="0"/>
-        </a:xfrm>
-      </p:grpSpPr>
-      <p:sp>
-        <p:nvSpPr>
-          <p:cNvPr id="2" name="タイトル 1">
-            <a:extLst>
-              <a:ext uri="{FF2B5EF4-FFF2-40B4-BE49-F238E27FC236}">
-                <a16:creationId xmlns:a16="http://schemas.microsoft.com/office/drawing/2014/main" id="{B6C849D2-0280-43E4-B31A-A8317D4A12EC}"/>
-              </a:ext>
-            </a:extLst>
-          </p:cNvPr>
-          <p:cNvSpPr>
-            <a:spLocks noGrp="1"/>
-          </p:cNvSpPr>
-          <p:nvPr>
-            <p:ph type="title"/>
-          </p:nvPr>
-        </p:nvSpPr>
-        <p:spPr>
-          <a:xfrm>
-            <a:off x="0" y="-4207"/>
-            <a:ext cx="5416062" cy="707537"/>
-          </a:xfrm>
-        </p:spPr>
-        <p:txBody>
-          <a:bodyPr>
-            <a:noAutofit/>
-          </a:bodyPr>
-          <a:lstStyle/>
-          <a:p>
-            <a:r>
-              <a:rPr kumimoji="1" lang="ja-JP" altLang="en-US" sz="2400" dirty="0"/>
-              <a:t>ステルス</a:t>
-            </a:r>
-            <a:r>
-              <a:rPr lang="ja-JP" altLang="en-US" sz="2400" dirty="0"/>
-              <a:t>じゃない</a:t>
-            </a:r>
-            <a:r>
-              <a:rPr lang="en-US" altLang="ja-JP" sz="2400" dirty="0"/>
-              <a:t>1</a:t>
-            </a:r>
-            <a:r>
-              <a:rPr kumimoji="1" lang="en-US" altLang="ja-JP" sz="2400" dirty="0"/>
-              <a:t> </a:t>
-            </a:r>
-            <a:r>
-              <a:rPr kumimoji="1" lang="ja-JP" altLang="en-US" sz="2400" dirty="0"/>
-              <a:t>ジャスト回避やつ</a:t>
-            </a:r>
-          </a:p>
-        </p:txBody>
-      </p:sp>
-      <p:sp>
-        <p:nvSpPr>
-          <p:cNvPr id="4" name="テキスト ボックス 3">
-            <a:extLst>
-              <a:ext uri="{FF2B5EF4-FFF2-40B4-BE49-F238E27FC236}">
-                <a16:creationId xmlns:a16="http://schemas.microsoft.com/office/drawing/2014/main" id="{601B41CC-E79C-47C8-A5DD-6CFF1AC1CF89}"/>
-              </a:ext>
-            </a:extLst>
-          </p:cNvPr>
-          <p:cNvSpPr txBox="1"/>
-          <p:nvPr/>
-        </p:nvSpPr>
-        <p:spPr>
-          <a:xfrm>
-            <a:off x="720587" y="948079"/>
-            <a:ext cx="2954655" cy="369332"/>
-          </a:xfrm>
-          <a:prstGeom prst="rect">
-            <a:avLst/>
-          </a:prstGeom>
-          <a:noFill/>
-        </p:spPr>
-        <p:txBody>
-          <a:bodyPr wrap="none" rtlCol="0">
-            <a:spAutoFit/>
-          </a:bodyPr>
-          <a:lstStyle/>
-          <a:p>
-            <a:r>
-              <a:rPr lang="ja-JP" altLang="en-US" dirty="0"/>
-              <a:t>プレイヤーは攻撃できない</a:t>
-            </a:r>
-            <a:endParaRPr kumimoji="1" lang="ja-JP" altLang="en-US" dirty="0"/>
-          </a:p>
-        </p:txBody>
-      </p:sp>
-      <p:sp>
-        <p:nvSpPr>
-          <p:cNvPr id="5" name="テキスト ボックス 4">
-            <a:extLst>
-              <a:ext uri="{FF2B5EF4-FFF2-40B4-BE49-F238E27FC236}">
-                <a16:creationId xmlns:a16="http://schemas.microsoft.com/office/drawing/2014/main" id="{9E89F19A-F53E-41D5-9F3D-7D81F3BA6FE7}"/>
-              </a:ext>
-            </a:extLst>
-          </p:cNvPr>
-          <p:cNvSpPr txBox="1"/>
-          <p:nvPr/>
-        </p:nvSpPr>
-        <p:spPr>
-          <a:xfrm>
-            <a:off x="991481" y="3452227"/>
-            <a:ext cx="3877985" cy="369332"/>
-          </a:xfrm>
-          <a:prstGeom prst="rect">
-            <a:avLst/>
-          </a:prstGeom>
-          <a:noFill/>
-        </p:spPr>
-        <p:txBody>
-          <a:bodyPr wrap="none" rtlCol="0">
-            <a:spAutoFit/>
-          </a:bodyPr>
-          <a:lstStyle/>
-          <a:p>
-            <a:r>
-              <a:rPr kumimoji="1" lang="ja-JP" altLang="en-US" dirty="0"/>
-              <a:t>敵に見つかると警戒ゲージが上がる</a:t>
-            </a:r>
-          </a:p>
-        </p:txBody>
-      </p:sp>
-      <p:sp>
-        <p:nvSpPr>
-          <p:cNvPr id="7" name="テキスト ボックス 6">
-            <a:extLst>
-              <a:ext uri="{FF2B5EF4-FFF2-40B4-BE49-F238E27FC236}">
-                <a16:creationId xmlns:a16="http://schemas.microsoft.com/office/drawing/2014/main" id="{7BEF9BCB-486A-4727-903C-9BD2B419766E}"/>
-              </a:ext>
-            </a:extLst>
-          </p:cNvPr>
-          <p:cNvSpPr txBox="1"/>
-          <p:nvPr/>
-        </p:nvSpPr>
-        <p:spPr>
-          <a:xfrm>
-            <a:off x="3675242" y="800123"/>
-            <a:ext cx="2262158" cy="369332"/>
-          </a:xfrm>
-          <a:prstGeom prst="rect">
-            <a:avLst/>
-          </a:prstGeom>
-          <a:noFill/>
-        </p:spPr>
-        <p:txBody>
-          <a:bodyPr wrap="none" rtlCol="0">
-            <a:spAutoFit/>
-          </a:bodyPr>
-          <a:lstStyle/>
-          <a:p>
-            <a:r>
-              <a:rPr kumimoji="1" lang="ja-JP" altLang="en-US" dirty="0"/>
-              <a:t>敵は攻撃をしてくる</a:t>
-            </a:r>
-          </a:p>
-        </p:txBody>
-      </p:sp>
-      <p:sp>
-        <p:nvSpPr>
-          <p:cNvPr id="8" name="テキスト ボックス 7">
-            <a:extLst>
-              <a:ext uri="{FF2B5EF4-FFF2-40B4-BE49-F238E27FC236}">
-                <a16:creationId xmlns:a16="http://schemas.microsoft.com/office/drawing/2014/main" id="{9A528822-8844-4898-9C41-FB3CCB638E27}"/>
-              </a:ext>
-            </a:extLst>
-          </p:cNvPr>
-          <p:cNvSpPr txBox="1"/>
-          <p:nvPr/>
-        </p:nvSpPr>
-        <p:spPr>
-          <a:xfrm>
-            <a:off x="991481" y="1258550"/>
-            <a:ext cx="5673348" cy="369332"/>
-          </a:xfrm>
-          <a:prstGeom prst="rect">
-            <a:avLst/>
-          </a:prstGeom>
-          <a:noFill/>
-        </p:spPr>
-        <p:txBody>
-          <a:bodyPr wrap="none" rtlCol="0">
-            <a:spAutoFit/>
-          </a:bodyPr>
-          <a:lstStyle/>
-          <a:p>
-            <a:r>
-              <a:rPr kumimoji="1" lang="ja-JP" altLang="en-US" dirty="0"/>
-              <a:t>攻撃をジャスト回避するとカウンター攻撃</a:t>
-            </a:r>
-            <a:r>
-              <a:rPr kumimoji="1" lang="en-US" altLang="ja-JP" dirty="0"/>
-              <a:t>(</a:t>
-            </a:r>
-            <a:r>
-              <a:rPr kumimoji="1" lang="ja-JP" altLang="en-US" dirty="0"/>
-              <a:t>目つぶし</a:t>
-            </a:r>
-            <a:r>
-              <a:rPr kumimoji="1" lang="en-US" altLang="ja-JP" dirty="0"/>
-              <a:t>)</a:t>
-            </a:r>
-            <a:endParaRPr kumimoji="1" lang="ja-JP" altLang="en-US" dirty="0"/>
-          </a:p>
-        </p:txBody>
-      </p:sp>
-      <p:sp>
-        <p:nvSpPr>
-          <p:cNvPr id="9" name="テキスト ボックス 8">
-            <a:extLst>
-              <a:ext uri="{FF2B5EF4-FFF2-40B4-BE49-F238E27FC236}">
-                <a16:creationId xmlns:a16="http://schemas.microsoft.com/office/drawing/2014/main" id="{9AE4144C-0B9E-478E-9C2D-2D97161E3A6B}"/>
-              </a:ext>
-            </a:extLst>
-          </p:cNvPr>
-          <p:cNvSpPr txBox="1"/>
-          <p:nvPr/>
-        </p:nvSpPr>
-        <p:spPr>
-          <a:xfrm>
-            <a:off x="991481" y="3781082"/>
-            <a:ext cx="5262979" cy="369332"/>
-          </a:xfrm>
-          <a:prstGeom prst="rect">
-            <a:avLst/>
-          </a:prstGeom>
-          <a:noFill/>
-        </p:spPr>
-        <p:txBody>
-          <a:bodyPr wrap="none" rtlCol="0">
-            <a:spAutoFit/>
-          </a:bodyPr>
-          <a:lstStyle/>
-          <a:p>
-            <a:r>
-              <a:rPr kumimoji="1" lang="ja-JP" altLang="en-US" dirty="0"/>
-              <a:t>警戒ゲージが上がるとさらに見つかりやすくなる</a:t>
-            </a:r>
-          </a:p>
-        </p:txBody>
-      </p:sp>
-      <p:sp>
-        <p:nvSpPr>
-          <p:cNvPr id="10" name="テキスト ボックス 9">
-            <a:extLst>
-              <a:ext uri="{FF2B5EF4-FFF2-40B4-BE49-F238E27FC236}">
-                <a16:creationId xmlns:a16="http://schemas.microsoft.com/office/drawing/2014/main" id="{D242156F-F191-4BA2-8C04-8B476B85D2FD}"/>
-              </a:ext>
-            </a:extLst>
-          </p:cNvPr>
-          <p:cNvSpPr txBox="1"/>
-          <p:nvPr/>
-        </p:nvSpPr>
-        <p:spPr>
-          <a:xfrm>
-            <a:off x="1294686" y="1645780"/>
-            <a:ext cx="4801314" cy="923330"/>
-          </a:xfrm>
-          <a:prstGeom prst="rect">
-            <a:avLst/>
-          </a:prstGeom>
-          <a:noFill/>
-        </p:spPr>
-        <p:txBody>
-          <a:bodyPr wrap="none" rtlCol="0">
-            <a:spAutoFit/>
-          </a:bodyPr>
-          <a:lstStyle/>
-          <a:p>
-            <a:r>
-              <a:rPr kumimoji="1" lang="ja-JP" altLang="en-US" dirty="0"/>
-              <a:t>カウンターが決まると</a:t>
-            </a:r>
-            <a:endParaRPr kumimoji="1" lang="en-US" altLang="ja-JP" dirty="0"/>
-          </a:p>
-          <a:p>
-            <a:r>
-              <a:rPr lang="ja-JP" altLang="en-US" dirty="0"/>
-              <a:t>・</a:t>
-            </a:r>
-            <a:r>
-              <a:rPr kumimoji="1" lang="ja-JP" altLang="en-US" dirty="0"/>
-              <a:t>警戒ゲージを下げれる</a:t>
-            </a:r>
-            <a:endParaRPr lang="en-US" altLang="ja-JP" dirty="0"/>
-          </a:p>
-          <a:p>
-            <a:r>
-              <a:rPr kumimoji="1" lang="ja-JP" altLang="en-US" dirty="0"/>
-              <a:t>・瞬発力が研ぎ澄まされて移動速度が上がる</a:t>
-            </a:r>
-            <a:endParaRPr kumimoji="1" lang="en-US" altLang="ja-JP" dirty="0"/>
-          </a:p>
-        </p:txBody>
-      </p:sp>
-      <p:sp>
-        <p:nvSpPr>
-          <p:cNvPr id="11" name="テキスト ボックス 10">
-            <a:extLst>
-              <a:ext uri="{FF2B5EF4-FFF2-40B4-BE49-F238E27FC236}">
-                <a16:creationId xmlns:a16="http://schemas.microsoft.com/office/drawing/2014/main" id="{125B5880-7B8F-4FBF-A259-555C2D541BBD}"/>
-              </a:ext>
-            </a:extLst>
-          </p:cNvPr>
-          <p:cNvSpPr txBox="1"/>
-          <p:nvPr/>
-        </p:nvSpPr>
-        <p:spPr>
-          <a:xfrm>
-            <a:off x="6664829" y="3965748"/>
-            <a:ext cx="3185487" cy="369332"/>
-          </a:xfrm>
-          <a:prstGeom prst="rect">
-            <a:avLst/>
-          </a:prstGeom>
-          <a:noFill/>
-        </p:spPr>
-        <p:txBody>
-          <a:bodyPr wrap="none" rtlCol="0">
-            <a:spAutoFit/>
-          </a:bodyPr>
-          <a:lstStyle/>
-          <a:p>
-            <a:r>
-              <a:rPr kumimoji="1" lang="ja-JP" altLang="en-US" dirty="0"/>
-              <a:t>撤退地点に到着すると</a:t>
-            </a:r>
-            <a:r>
-              <a:rPr lang="ja-JP" altLang="en-US" dirty="0"/>
-              <a:t>クリア</a:t>
-            </a:r>
-            <a:endParaRPr kumimoji="1" lang="ja-JP" altLang="en-US" dirty="0"/>
-          </a:p>
-        </p:txBody>
-      </p:sp>
-      <p:sp>
-        <p:nvSpPr>
-          <p:cNvPr id="12" name="テキスト ボックス 11">
-            <a:extLst>
-              <a:ext uri="{FF2B5EF4-FFF2-40B4-BE49-F238E27FC236}">
-                <a16:creationId xmlns:a16="http://schemas.microsoft.com/office/drawing/2014/main" id="{3272636D-F5E2-44F4-BD30-3FE79323B4DB}"/>
-              </a:ext>
-            </a:extLst>
-          </p:cNvPr>
-          <p:cNvSpPr txBox="1"/>
-          <p:nvPr/>
-        </p:nvSpPr>
-        <p:spPr>
-          <a:xfrm>
-            <a:off x="6624018" y="3609560"/>
-            <a:ext cx="3877985" cy="369332"/>
-          </a:xfrm>
-          <a:prstGeom prst="rect">
-            <a:avLst/>
-          </a:prstGeom>
-          <a:noFill/>
-        </p:spPr>
-        <p:txBody>
-          <a:bodyPr wrap="none" rtlCol="0">
-            <a:spAutoFit/>
-          </a:bodyPr>
-          <a:lstStyle/>
-          <a:p>
-            <a:r>
-              <a:rPr kumimoji="1" lang="ja-JP" altLang="en-US" dirty="0"/>
-              <a:t>警戒ゲージが最大になると任務失敗</a:t>
-            </a:r>
-          </a:p>
-        </p:txBody>
-      </p:sp>
-      <p:sp>
-        <p:nvSpPr>
-          <p:cNvPr id="3" name="テキスト ボックス 2">
-            <a:extLst>
-              <a:ext uri="{FF2B5EF4-FFF2-40B4-BE49-F238E27FC236}">
-                <a16:creationId xmlns:a16="http://schemas.microsoft.com/office/drawing/2014/main" id="{CE91403C-274E-4FF8-8682-AA80813B886A}"/>
-              </a:ext>
-            </a:extLst>
-          </p:cNvPr>
-          <p:cNvSpPr txBox="1"/>
-          <p:nvPr/>
-        </p:nvSpPr>
-        <p:spPr>
-          <a:xfrm>
-            <a:off x="6069168" y="855128"/>
-            <a:ext cx="1800493" cy="369332"/>
-          </a:xfrm>
-          <a:prstGeom prst="rect">
-            <a:avLst/>
-          </a:prstGeom>
-          <a:noFill/>
-        </p:spPr>
-        <p:txBody>
-          <a:bodyPr wrap="none" rtlCol="0">
-            <a:spAutoFit/>
-          </a:bodyPr>
-          <a:lstStyle/>
-          <a:p>
-            <a:r>
-              <a:rPr kumimoji="1" lang="ja-JP" altLang="en-US" dirty="0"/>
-              <a:t>見つかりに行く</a:t>
-            </a:r>
-          </a:p>
-        </p:txBody>
-      </p:sp>
-      <p:sp>
-        <p:nvSpPr>
-          <p:cNvPr id="6" name="テキスト ボックス 5">
-            <a:extLst>
-              <a:ext uri="{FF2B5EF4-FFF2-40B4-BE49-F238E27FC236}">
-                <a16:creationId xmlns:a16="http://schemas.microsoft.com/office/drawing/2014/main" id="{FF10E07C-0D1D-4D5E-AA37-CC08CEB1E141}"/>
-              </a:ext>
-            </a:extLst>
-          </p:cNvPr>
-          <p:cNvSpPr txBox="1"/>
-          <p:nvPr/>
-        </p:nvSpPr>
-        <p:spPr>
-          <a:xfrm>
-            <a:off x="6787662" y="1960685"/>
-            <a:ext cx="2031325" cy="369332"/>
-          </a:xfrm>
-          <a:prstGeom prst="rect">
-            <a:avLst/>
-          </a:prstGeom>
-          <a:noFill/>
-        </p:spPr>
-        <p:txBody>
-          <a:bodyPr wrap="none" rtlCol="0">
-            <a:spAutoFit/>
-          </a:bodyPr>
-          <a:lstStyle/>
-          <a:p>
-            <a:r>
-              <a:rPr kumimoji="1" lang="ja-JP" altLang="en-US" dirty="0"/>
-              <a:t>足止めだけにする</a:t>
-            </a:r>
-          </a:p>
-        </p:txBody>
-      </p:sp>
-      <p:sp>
-        <p:nvSpPr>
-          <p:cNvPr id="13" name="テキスト ボックス 12">
-            <a:extLst>
-              <a:ext uri="{FF2B5EF4-FFF2-40B4-BE49-F238E27FC236}">
-                <a16:creationId xmlns:a16="http://schemas.microsoft.com/office/drawing/2014/main" id="{63B488E6-413D-4270-AA92-3ADB21613BD0}"/>
-              </a:ext>
-            </a:extLst>
-          </p:cNvPr>
-          <p:cNvSpPr txBox="1"/>
-          <p:nvPr/>
-        </p:nvSpPr>
-        <p:spPr>
-          <a:xfrm>
-            <a:off x="6884377" y="2417885"/>
-            <a:ext cx="2954655" cy="369332"/>
-          </a:xfrm>
-          <a:prstGeom prst="rect">
-            <a:avLst/>
-          </a:prstGeom>
-          <a:noFill/>
-        </p:spPr>
-        <p:txBody>
-          <a:bodyPr wrap="none" rtlCol="0">
-            <a:spAutoFit/>
-          </a:bodyPr>
-          <a:lstStyle/>
-          <a:p>
-            <a:r>
-              <a:rPr kumimoji="1" lang="ja-JP" altLang="en-US" dirty="0"/>
-              <a:t>攻撃を</a:t>
-            </a:r>
-            <a:r>
-              <a:rPr lang="ja-JP" altLang="en-US" dirty="0"/>
-              <a:t>できない状態にする</a:t>
-            </a:r>
-            <a:endParaRPr kumimoji="1" lang="ja-JP" altLang="en-US" dirty="0"/>
-          </a:p>
-        </p:txBody>
-      </p:sp>
-      <p:sp>
-        <p:nvSpPr>
-          <p:cNvPr id="14" name="テキスト ボックス 13">
-            <a:extLst>
-              <a:ext uri="{FF2B5EF4-FFF2-40B4-BE49-F238E27FC236}">
-                <a16:creationId xmlns:a16="http://schemas.microsoft.com/office/drawing/2014/main" id="{80C8652E-FA6E-4B89-87D1-A0A964D17FC5}"/>
-              </a:ext>
-            </a:extLst>
-          </p:cNvPr>
-          <p:cNvSpPr txBox="1"/>
-          <p:nvPr/>
-        </p:nvSpPr>
-        <p:spPr>
-          <a:xfrm>
-            <a:off x="3103685" y="5802923"/>
-            <a:ext cx="2723823" cy="369332"/>
-          </a:xfrm>
-          <a:prstGeom prst="rect">
-            <a:avLst/>
-          </a:prstGeom>
-          <a:noFill/>
-        </p:spPr>
-        <p:txBody>
-          <a:bodyPr wrap="none" rtlCol="0">
-            <a:spAutoFit/>
-          </a:bodyPr>
-          <a:lstStyle/>
-          <a:p>
-            <a:r>
-              <a:rPr kumimoji="1" lang="ja-JP" altLang="en-US" dirty="0" err="1"/>
-              <a:t>げっとあぐりっぷちっぷ</a:t>
-            </a:r>
-            <a:endParaRPr kumimoji="1" lang="ja-JP" altLang="en-US" dirty="0"/>
-          </a:p>
-        </p:txBody>
-      </p:sp>
-    </p:spTree>
-    <p:extLst>
-      <p:ext uri="{BB962C8B-B14F-4D97-AF65-F5344CB8AC3E}">
-        <p14:creationId xmlns:p14="http://schemas.microsoft.com/office/powerpoint/2010/main" val="4020630899"/>
       </p:ext>
     </p:extLst>
   </p:cSld>

--- a/98_plan/00_pptx/04_just.pptx
+++ b/98_plan/00_pptx/04_just.pptx
@@ -5363,8 +5363,8 @@
         </p:nvSpPr>
         <p:spPr>
           <a:xfrm rot="21250482">
-            <a:off x="2814655" y="3825970"/>
-            <a:ext cx="6559809" cy="1107996"/>
+            <a:off x="3748403" y="3825970"/>
+            <a:ext cx="4692310" cy="1107996"/>
           </a:xfrm>
           <a:prstGeom prst="rect">
             <a:avLst/>
@@ -5378,7 +5378,7 @@
           <a:lstStyle/>
           <a:p>
             <a:r>
-              <a:rPr lang="ja-JP" altLang="en-US" sz="6600" dirty="0">
+              <a:rPr lang="ja-JP" altLang="en-US" sz="6600" b="1" dirty="0">
                 <a:ln>
                   <a:solidFill>
                     <a:schemeClr val="bg1"/>
@@ -5395,10 +5395,10 @@
                 <a:latin typeface="HGP行書体" panose="03000600000000000000" pitchFamily="66" charset="-128"/>
                 <a:ea typeface="HGP行書体" panose="03000600000000000000" pitchFamily="66" charset="-128"/>
               </a:rPr>
-              <a:t>生還</a:t>
-            </a:r>
-            <a:r>
-              <a:rPr lang="ja-JP" altLang="en-US" sz="4400" dirty="0">
+              <a:t>璧</a:t>
+            </a:r>
+            <a:r>
+              <a:rPr lang="ja-JP" altLang="en-US" sz="4800" b="1" dirty="0">
                 <a:ln>
                   <a:solidFill>
                     <a:schemeClr val="bg1"/>
@@ -5415,10 +5415,10 @@
                 <a:latin typeface="HGP行書体" panose="03000600000000000000" pitchFamily="66" charset="-128"/>
                 <a:ea typeface="HGP行書体" panose="03000600000000000000" pitchFamily="66" charset="-128"/>
               </a:rPr>
-              <a:t>までが</a:t>
-            </a:r>
-            <a:r>
-              <a:rPr lang="ja-JP" altLang="en-US" sz="6600" dirty="0">
+              <a:t>を</a:t>
+            </a:r>
+            <a:r>
+              <a:rPr lang="ja-JP" altLang="en-US" sz="6600" b="1" dirty="0">
                 <a:ln>
                   <a:solidFill>
                     <a:schemeClr val="bg1"/>
@@ -5435,10 +5435,10 @@
                 <a:latin typeface="HGP行書体" panose="03000600000000000000" pitchFamily="66" charset="-128"/>
                 <a:ea typeface="HGP行書体" panose="03000600000000000000" pitchFamily="66" charset="-128"/>
               </a:rPr>
-              <a:t>任務</a:t>
-            </a:r>
-            <a:r>
-              <a:rPr lang="ja-JP" altLang="en-US" sz="4400" dirty="0">
+              <a:t>完</a:t>
+            </a:r>
+            <a:r>
+              <a:rPr lang="ja-JP" altLang="en-US" sz="4800" b="1" dirty="0">
                 <a:ln>
                   <a:solidFill>
                     <a:schemeClr val="bg1"/>
@@ -5455,9 +5455,49 @@
                 <a:latin typeface="HGP行書体" panose="03000600000000000000" pitchFamily="66" charset="-128"/>
                 <a:ea typeface="HGP行書体" panose="03000600000000000000" pitchFamily="66" charset="-128"/>
               </a:rPr>
-              <a:t>である。</a:t>
-            </a:r>
-            <a:endParaRPr kumimoji="1" lang="en-US" altLang="ja-JP" sz="6000" dirty="0">
+              <a:t>うして</a:t>
+            </a:r>
+            <a:r>
+              <a:rPr lang="ja-JP" altLang="en-US" sz="6600" b="1" dirty="0">
+                <a:ln>
+                  <a:solidFill>
+                    <a:schemeClr val="bg1"/>
+                  </a:solidFill>
+                </a:ln>
+                <a:solidFill>
+                  <a:srgbClr val="0000FF"/>
+                </a:solidFill>
+                <a:effectLst>
+                  <a:glow rad="444500">
+                    <a:srgbClr val="00B050"/>
+                  </a:glow>
+                </a:effectLst>
+                <a:latin typeface="HGP行書体" panose="03000600000000000000" pitchFamily="66" charset="-128"/>
+                <a:ea typeface="HGP行書体" panose="03000600000000000000" pitchFamily="66" charset="-128"/>
+              </a:rPr>
+              <a:t>帰</a:t>
+            </a:r>
+            <a:r>
+              <a:rPr lang="ja-JP" altLang="en-US" sz="4800" b="1" dirty="0">
+                <a:ln>
+                  <a:solidFill>
+                    <a:schemeClr val="bg1"/>
+                  </a:solidFill>
+                </a:ln>
+                <a:solidFill>
+                  <a:srgbClr val="0000FF"/>
+                </a:solidFill>
+                <a:effectLst>
+                  <a:glow rad="444500">
+                    <a:srgbClr val="00B050"/>
+                  </a:glow>
+                </a:effectLst>
+                <a:latin typeface="HGP行書体" panose="03000600000000000000" pitchFamily="66" charset="-128"/>
+                <a:ea typeface="HGP行書体" panose="03000600000000000000" pitchFamily="66" charset="-128"/>
+              </a:rPr>
+              <a:t>る</a:t>
+            </a:r>
+            <a:endParaRPr kumimoji="1" lang="en-US" altLang="ja-JP" sz="6000" b="1" dirty="0">
               <a:ln>
                 <a:solidFill>
                   <a:schemeClr val="bg1"/>
